--- a/マルバツゲームpdf.pptx
+++ b/マルバツゲームpdf.pptx
@@ -17,7 +17,10 @@
     <p:sldId id="267" r:id="rId11"/>
     <p:sldId id="268" r:id="rId12"/>
     <p:sldId id="269" r:id="rId13"/>
-    <p:sldId id="270" r:id="rId14"/>
+    <p:sldId id="307" r:id="rId14"/>
+    <p:sldId id="270" r:id="rId15"/>
+    <p:sldId id="308" r:id="rId16"/>
+    <p:sldId id="309" r:id="rId17"/>
   </p:sldIdLst>
   <p:sldSz cx="12192000" cy="6858000"/>
   <p:notesSz cx="6858000" cy="9144000"/>
@@ -4457,7 +4460,7 @@
           <p:cNvPr id="2" name="タイトル 1">
             <a:extLst>
               <a:ext uri="{FF2B5EF4-FFF2-40B4-BE49-F238E27FC236}">
-                <a16:creationId xmlns:a16="http://schemas.microsoft.com/office/drawing/2014/main" id="{2465533F-8051-424F-8975-B3F4F13B46CB}"/>
+                <a16:creationId xmlns:a16="http://schemas.microsoft.com/office/drawing/2014/main" id="{4824C0D0-D15F-634A-B3E0-2DB2B13C138F}"/>
               </a:ext>
             </a:extLst>
           </p:cNvPr>
@@ -4473,32 +4476,483 @@
           <a:bodyPr/>
           <a:lstStyle/>
           <a:p>
+            <a:r>
+              <a:rPr kumimoji="1" lang="en-US" altLang="ja-JP" dirty="0"/>
+              <a:t>GitHub</a:t>
+            </a:r>
+            <a:r>
+              <a:rPr kumimoji="1" lang="ja-JP" altLang="en-US"/>
+              <a:t>から雛形をダウンロードしよう</a:t>
+            </a:r>
+          </a:p>
+        </p:txBody>
+      </p:sp>
+      <p:sp>
+        <p:nvSpPr>
+          <p:cNvPr id="3" name="コンテンツ プレースホルダー 2">
+            <a:extLst>
+              <a:ext uri="{FF2B5EF4-FFF2-40B4-BE49-F238E27FC236}">
+                <a16:creationId xmlns:a16="http://schemas.microsoft.com/office/drawing/2014/main" id="{97BBF658-2168-9A4D-8781-48723FC266D8}"/>
+              </a:ext>
+            </a:extLst>
+          </p:cNvPr>
+          <p:cNvSpPr>
+            <a:spLocks noGrp="1"/>
+          </p:cNvSpPr>
+          <p:nvPr>
+            <p:ph idx="1"/>
+          </p:nvPr>
+        </p:nvSpPr>
+        <p:spPr>
+          <a:xfrm>
+            <a:off x="644577" y="5387237"/>
+            <a:ext cx="10709223" cy="789726"/>
+          </a:xfrm>
+        </p:spPr>
+        <p:txBody>
+          <a:bodyPr/>
+          <a:lstStyle/>
+          <a:p>
+            <a:endParaRPr kumimoji="1" lang="en-US" altLang="ja-JP" dirty="0"/>
+          </a:p>
+          <a:p>
             <a:endParaRPr kumimoji="1" lang="ja-JP" altLang="en-US"/>
           </a:p>
         </p:txBody>
       </p:sp>
       <p:sp>
         <p:nvSpPr>
-          <p:cNvPr id="3" name="コンテンツ プレースホルダー 2">
-            <a:extLst>
-              <a:ext uri="{FF2B5EF4-FFF2-40B4-BE49-F238E27FC236}">
-                <a16:creationId xmlns:a16="http://schemas.microsoft.com/office/drawing/2014/main" id="{23CB583D-9943-E547-BB45-4B72C5C21DC8}"/>
-              </a:ext>
-            </a:extLst>
-          </p:cNvPr>
-          <p:cNvSpPr>
-            <a:spLocks noGrp="1"/>
-          </p:cNvSpPr>
+          <p:cNvPr id="4" name="テキスト ボックス 3">
+            <a:extLst>
+              <a:ext uri="{FF2B5EF4-FFF2-40B4-BE49-F238E27FC236}">
+                <a16:creationId xmlns:a16="http://schemas.microsoft.com/office/drawing/2014/main" id="{9F00357A-B71F-4E4E-A9E1-700118D326FA}"/>
+              </a:ext>
+            </a:extLst>
+          </p:cNvPr>
+          <p:cNvSpPr txBox="1"/>
+          <p:nvPr/>
+        </p:nvSpPr>
+        <p:spPr>
+          <a:xfrm>
+            <a:off x="1192696" y="2345635"/>
+            <a:ext cx="2272160" cy="369332"/>
+          </a:xfrm>
+          <a:prstGeom prst="rect">
+            <a:avLst/>
+          </a:prstGeom>
+          <a:noFill/>
+        </p:spPr>
+        <p:txBody>
+          <a:bodyPr wrap="none" rtlCol="0">
+            <a:spAutoFit/>
+          </a:bodyPr>
+          <a:lstStyle/>
+          <a:p>
+            <a:r>
+              <a:rPr kumimoji="1" lang="en-US" altLang="ja-JP" dirty="0" err="1"/>
+              <a:t>Paiza</a:t>
+            </a:r>
+            <a:r>
+              <a:rPr kumimoji="1" lang="en-US" altLang="ja-JP" dirty="0"/>
+              <a:t> cloud</a:t>
+            </a:r>
+            <a:r>
+              <a:rPr kumimoji="1" lang="ja-JP" altLang="en-US"/>
+              <a:t>を開いて</a:t>
+            </a:r>
+          </a:p>
+        </p:txBody>
+      </p:sp>
+      <p:pic>
+        <p:nvPicPr>
+          <p:cNvPr id="6" name="図 5" descr="白いバックグラウンドのスクリーンショット&#10;&#10;自動的に生成された説明">
+            <a:extLst>
+              <a:ext uri="{FF2B5EF4-FFF2-40B4-BE49-F238E27FC236}">
+                <a16:creationId xmlns:a16="http://schemas.microsoft.com/office/drawing/2014/main" id="{0AD0B685-0E0E-AD4C-9C95-609C7B55611F}"/>
+              </a:ext>
+            </a:extLst>
+          </p:cNvPr>
+          <p:cNvPicPr>
+            <a:picLocks noChangeAspect="1"/>
+          </p:cNvPicPr>
+          <p:nvPr/>
+        </p:nvPicPr>
+        <p:blipFill>
+          <a:blip r:embed="rId2"/>
+          <a:stretch>
+            <a:fillRect/>
+          </a:stretch>
+        </p:blipFill>
+        <p:spPr>
+          <a:xfrm>
+            <a:off x="3629035" y="1470763"/>
+            <a:ext cx="8203134" cy="3631324"/>
+          </a:xfrm>
+          <a:prstGeom prst="rect">
+            <a:avLst/>
+          </a:prstGeom>
+        </p:spPr>
+      </p:pic>
+      <p:sp>
+        <p:nvSpPr>
+          <p:cNvPr id="7" name="円/楕円 6">
+            <a:extLst>
+              <a:ext uri="{FF2B5EF4-FFF2-40B4-BE49-F238E27FC236}">
+                <a16:creationId xmlns:a16="http://schemas.microsoft.com/office/drawing/2014/main" id="{738CBD24-F47F-BC47-A084-C17BE6D3AB38}"/>
+              </a:ext>
+            </a:extLst>
+          </p:cNvPr>
+          <p:cNvSpPr/>
+          <p:nvPr/>
+        </p:nvSpPr>
+        <p:spPr>
+          <a:xfrm>
+            <a:off x="3629035" y="2537355"/>
+            <a:ext cx="702365" cy="636969"/>
+          </a:xfrm>
+          <a:prstGeom prst="ellipse">
+            <a:avLst/>
+          </a:prstGeom>
+          <a:noFill/>
+          <a:ln>
+            <a:solidFill>
+              <a:schemeClr val="accent5"/>
+            </a:solidFill>
+          </a:ln>
+        </p:spPr>
+        <p:style>
+          <a:lnRef idx="2">
+            <a:schemeClr val="accent1">
+              <a:shade val="50000"/>
+            </a:schemeClr>
+          </a:lnRef>
+          <a:fillRef idx="1">
+            <a:schemeClr val="accent1"/>
+          </a:fillRef>
+          <a:effectRef idx="0">
+            <a:schemeClr val="accent1"/>
+          </a:effectRef>
+          <a:fontRef idx="minor">
+            <a:schemeClr val="lt1"/>
+          </a:fontRef>
+        </p:style>
+        <p:txBody>
+          <a:bodyPr rtlCol="0" anchor="ctr"/>
+          <a:lstStyle/>
+          <a:p>
+            <a:pPr algn="ctr"/>
+            <a:endParaRPr kumimoji="1" lang="ja-JP" altLang="en-US"/>
+          </a:p>
+        </p:txBody>
+      </p:sp>
+      <p:sp>
+        <p:nvSpPr>
+          <p:cNvPr id="8" name="右矢印 7">
+            <a:extLst>
+              <a:ext uri="{FF2B5EF4-FFF2-40B4-BE49-F238E27FC236}">
+                <a16:creationId xmlns:a16="http://schemas.microsoft.com/office/drawing/2014/main" id="{9039E106-747D-284F-994B-0BD6FE0B5F0B}"/>
+              </a:ext>
+            </a:extLst>
+          </p:cNvPr>
+          <p:cNvSpPr/>
+          <p:nvPr/>
+        </p:nvSpPr>
+        <p:spPr>
+          <a:xfrm>
+            <a:off x="2994991" y="2714967"/>
+            <a:ext cx="469865" cy="333033"/>
+          </a:xfrm>
+          <a:prstGeom prst="rightArrow">
+            <a:avLst/>
+          </a:prstGeom>
+        </p:spPr>
+        <p:style>
+          <a:lnRef idx="2">
+            <a:schemeClr val="accent1">
+              <a:shade val="50000"/>
+            </a:schemeClr>
+          </a:lnRef>
+          <a:fillRef idx="1">
+            <a:schemeClr val="accent1"/>
+          </a:fillRef>
+          <a:effectRef idx="0">
+            <a:schemeClr val="accent1"/>
+          </a:effectRef>
+          <a:fontRef idx="minor">
+            <a:schemeClr val="lt1"/>
+          </a:fontRef>
+        </p:style>
+        <p:txBody>
+          <a:bodyPr rtlCol="0" anchor="ctr"/>
+          <a:lstStyle/>
+          <a:p>
+            <a:pPr algn="ctr"/>
+            <a:endParaRPr kumimoji="1" lang="ja-JP" altLang="en-US"/>
+          </a:p>
+        </p:txBody>
+      </p:sp>
+      <p:sp>
+        <p:nvSpPr>
+          <p:cNvPr id="9" name="テキスト ボックス 8">
+            <a:extLst>
+              <a:ext uri="{FF2B5EF4-FFF2-40B4-BE49-F238E27FC236}">
+                <a16:creationId xmlns:a16="http://schemas.microsoft.com/office/drawing/2014/main" id="{5FF91B1B-9EAF-C14B-9D14-7D8E5FE33569}"/>
+              </a:ext>
+            </a:extLst>
+          </p:cNvPr>
+          <p:cNvSpPr txBox="1"/>
+          <p:nvPr/>
+        </p:nvSpPr>
+        <p:spPr>
+          <a:xfrm>
+            <a:off x="806113" y="2715347"/>
+            <a:ext cx="2031325" cy="369332"/>
+          </a:xfrm>
+          <a:prstGeom prst="rect">
+            <a:avLst/>
+          </a:prstGeom>
+          <a:noFill/>
+        </p:spPr>
+        <p:txBody>
+          <a:bodyPr wrap="none" rtlCol="0">
+            <a:spAutoFit/>
+          </a:bodyPr>
+          <a:lstStyle/>
+          <a:p>
+            <a:r>
+              <a:rPr kumimoji="1" lang="ja-JP" altLang="en-US"/>
+              <a:t>ターミナルを選択</a:t>
+            </a:r>
+          </a:p>
+        </p:txBody>
+      </p:sp>
+      <p:sp>
+        <p:nvSpPr>
+          <p:cNvPr id="5" name="テキスト ボックス 4">
+            <a:extLst>
+              <a:ext uri="{FF2B5EF4-FFF2-40B4-BE49-F238E27FC236}">
+                <a16:creationId xmlns:a16="http://schemas.microsoft.com/office/drawing/2014/main" id="{A29CFB21-2D0C-8A40-86A8-4B85CC2F8831}"/>
+              </a:ext>
+            </a:extLst>
+          </p:cNvPr>
+          <p:cNvSpPr txBox="1"/>
+          <p:nvPr/>
+        </p:nvSpPr>
+        <p:spPr>
+          <a:xfrm>
+            <a:off x="1192696" y="5253633"/>
+            <a:ext cx="5785558" cy="1477328"/>
+          </a:xfrm>
+          <a:prstGeom prst="rect">
+            <a:avLst/>
+          </a:prstGeom>
+          <a:noFill/>
+        </p:spPr>
+        <p:txBody>
+          <a:bodyPr wrap="none" rtlCol="0">
+            <a:spAutoFit/>
+          </a:bodyPr>
+          <a:lstStyle/>
+          <a:p>
+            <a:r>
+              <a:rPr kumimoji="1" lang="ja-JP" altLang="en-US"/>
+              <a:t>ターミナルで</a:t>
+            </a:r>
+            <a:endParaRPr kumimoji="1" lang="en-US" altLang="ja-JP" dirty="0"/>
+          </a:p>
+          <a:p>
+            <a:r>
+              <a:rPr lang="en" altLang="ja-JP" dirty="0"/>
+              <a:t>git clone https://</a:t>
+            </a:r>
+            <a:r>
+              <a:rPr lang="en" altLang="ja-JP" dirty="0" err="1"/>
+              <a:t>github.com</a:t>
+            </a:r>
+            <a:r>
+              <a:rPr lang="en" altLang="ja-JP" dirty="0"/>
+              <a:t>/</a:t>
+            </a:r>
+            <a:r>
+              <a:rPr lang="en" altLang="ja-JP" dirty="0" err="1"/>
+              <a:t>moyuta</a:t>
+            </a:r>
+            <a:r>
+              <a:rPr lang="en" altLang="ja-JP" dirty="0"/>
+              <a:t>/game-</a:t>
+            </a:r>
+            <a:r>
+              <a:rPr lang="en" altLang="ja-JP" dirty="0" err="1"/>
+              <a:t>event.git</a:t>
+            </a:r>
+            <a:endParaRPr lang="en" altLang="ja-JP" dirty="0"/>
+          </a:p>
+          <a:p>
+            <a:r>
+              <a:rPr kumimoji="1" lang="ja-JP" altLang="en-US"/>
+              <a:t>を入力し，</a:t>
+            </a:r>
+            <a:r>
+              <a:rPr kumimoji="1" lang="en-US" altLang="ja-JP" dirty="0"/>
+              <a:t>enter</a:t>
+            </a:r>
+          </a:p>
+          <a:p>
+            <a:r>
+              <a:rPr lang="ja-JP" altLang="en-US"/>
+              <a:t>その後，</a:t>
+            </a:r>
+            <a:r>
+              <a:rPr lang="en-US" altLang="ja-JP" dirty="0"/>
+              <a:t>cd game-event</a:t>
+            </a:r>
+          </a:p>
+          <a:p>
+            <a:r>
+              <a:rPr lang="en-US" altLang="ja-JP" dirty="0"/>
+              <a:t>node server </a:t>
+            </a:r>
+            <a:r>
+              <a:rPr lang="ja-JP" altLang="en-US"/>
+              <a:t>を入力</a:t>
+            </a:r>
+            <a:endParaRPr lang="en-US" altLang="ja-JP" dirty="0"/>
+          </a:p>
+        </p:txBody>
+      </p:sp>
+    </p:spTree>
+    <p:extLst>
+      <p:ext uri="{BB962C8B-B14F-4D97-AF65-F5344CB8AC3E}">
+        <p14:creationId xmlns:p14="http://schemas.microsoft.com/office/powerpoint/2010/main" val="4192880655"/>
+      </p:ext>
+    </p:extLst>
+  </p:cSld>
+  <p:clrMapOvr>
+    <a:masterClrMapping/>
+  </p:clrMapOvr>
+</p:sld>
+</file>
+
+<file path=ppt/slides/slide14.xml><?xml version="1.0" encoding="utf-8"?>
+<p:sld xmlns:a="http://schemas.openxmlformats.org/drawingml/2006/main" xmlns:r="http://schemas.openxmlformats.org/officeDocument/2006/relationships" xmlns:p="http://schemas.openxmlformats.org/presentationml/2006/main">
+  <p:cSld>
+    <p:spTree>
+      <p:nvGrpSpPr>
+        <p:cNvPr id="1" name=""/>
+        <p:cNvGrpSpPr/>
+        <p:nvPr/>
+      </p:nvGrpSpPr>
+      <p:grpSpPr>
+        <a:xfrm>
+          <a:off x="0" y="0"/>
+          <a:ext cx="0" cy="0"/>
+          <a:chOff x="0" y="0"/>
+          <a:chExt cx="0" cy="0"/>
+        </a:xfrm>
+      </p:grpSpPr>
+      <p:pic>
+        <p:nvPicPr>
+          <p:cNvPr id="5" name="コンテンツ プレースホルダー 4" descr="グラフィカル ユーザー インターフェイス, アプリケーション&#10;&#10;自動的に生成された説明">
+            <a:extLst>
+              <a:ext uri="{FF2B5EF4-FFF2-40B4-BE49-F238E27FC236}">
+                <a16:creationId xmlns:a16="http://schemas.microsoft.com/office/drawing/2014/main" id="{AA9801C2-7F7B-4B47-A859-B75334BD7829}"/>
+              </a:ext>
+            </a:extLst>
+          </p:cNvPr>
+          <p:cNvPicPr>
+            <a:picLocks noGrp="1" noChangeAspect="1"/>
+          </p:cNvPicPr>
           <p:nvPr>
             <p:ph idx="1"/>
           </p:nvPr>
-        </p:nvSpPr>
-        <p:spPr/>
-        <p:txBody>
-          <a:bodyPr/>
-          <a:lstStyle/>
-          <a:p>
-            <a:endParaRPr kumimoji="1" lang="ja-JP" altLang="en-US"/>
+        </p:nvPicPr>
+        <p:blipFill>
+          <a:blip r:embed="rId2"/>
+          <a:stretch>
+            <a:fillRect/>
+          </a:stretch>
+        </p:blipFill>
+        <p:spPr>
+          <a:xfrm>
+            <a:off x="793230" y="1026097"/>
+            <a:ext cx="2336800" cy="2527300"/>
+          </a:xfrm>
+        </p:spPr>
+      </p:pic>
+      <p:sp>
+        <p:nvSpPr>
+          <p:cNvPr id="6" name="テキスト ボックス 5">
+            <a:extLst>
+              <a:ext uri="{FF2B5EF4-FFF2-40B4-BE49-F238E27FC236}">
+                <a16:creationId xmlns:a16="http://schemas.microsoft.com/office/drawing/2014/main" id="{05B05A6B-D57A-B64B-8D83-DFB70A2CEA25}"/>
+              </a:ext>
+            </a:extLst>
+          </p:cNvPr>
+          <p:cNvSpPr txBox="1"/>
+          <p:nvPr/>
+        </p:nvSpPr>
+        <p:spPr>
+          <a:xfrm>
+            <a:off x="4032354" y="1454046"/>
+            <a:ext cx="6159058" cy="923330"/>
+          </a:xfrm>
+          <a:prstGeom prst="rect">
+            <a:avLst/>
+          </a:prstGeom>
+          <a:noFill/>
+        </p:spPr>
+        <p:txBody>
+          <a:bodyPr wrap="none" rtlCol="0">
+            <a:spAutoFit/>
+          </a:bodyPr>
+          <a:lstStyle/>
+          <a:p>
+            <a:r>
+              <a:rPr kumimoji="1" lang="ja-JP" altLang="en-US"/>
+              <a:t>皆さんが変更するファイルは，</a:t>
+            </a:r>
+            <a:r>
+              <a:rPr kumimoji="1" lang="en-US" altLang="ja-JP" dirty="0" err="1"/>
+              <a:t>l</a:t>
+            </a:r>
+            <a:r>
+              <a:rPr lang="en-US" altLang="ja-JP" dirty="0" err="1"/>
+              <a:t>ogic.js</a:t>
+            </a:r>
+            <a:r>
+              <a:rPr lang="ja-JP" altLang="en-US"/>
+              <a:t>のみです．</a:t>
+            </a:r>
+            <a:endParaRPr lang="en-US" altLang="ja-JP" dirty="0"/>
+          </a:p>
+          <a:p>
+            <a:r>
+              <a:rPr lang="en-US" altLang="ja-JP" dirty="0"/>
+              <a:t>game-event</a:t>
+            </a:r>
+            <a:r>
+              <a:rPr lang="ja-JP" altLang="en-US"/>
+              <a:t>をクリックした後，</a:t>
+            </a:r>
+            <a:r>
+              <a:rPr lang="en-US" altLang="ja-JP" dirty="0" err="1"/>
+              <a:t>logic.js</a:t>
+            </a:r>
+            <a:r>
+              <a:rPr lang="ja-JP" altLang="en-US"/>
+              <a:t>が出現するので，</a:t>
+            </a:r>
+            <a:endParaRPr lang="en-US" altLang="ja-JP" dirty="0"/>
+          </a:p>
+          <a:p>
+            <a:r>
+              <a:rPr lang="ja-JP" altLang="en-US"/>
+              <a:t>ダブルクリック</a:t>
+            </a:r>
+            <a:r>
+              <a:rPr lang="en-US" altLang="ja-JP" dirty="0"/>
+              <a:t>!</a:t>
+            </a:r>
           </a:p>
         </p:txBody>
       </p:sp>
@@ -4506,6 +4960,475 @@
     <p:extLst>
       <p:ext uri="{BB962C8B-B14F-4D97-AF65-F5344CB8AC3E}">
         <p14:creationId xmlns:p14="http://schemas.microsoft.com/office/powerpoint/2010/main" val="1220453909"/>
+      </p:ext>
+    </p:extLst>
+  </p:cSld>
+  <p:clrMapOvr>
+    <a:masterClrMapping/>
+  </p:clrMapOvr>
+</p:sld>
+</file>
+
+<file path=ppt/slides/slide15.xml><?xml version="1.0" encoding="utf-8"?>
+<p:sld xmlns:a="http://schemas.openxmlformats.org/drawingml/2006/main" xmlns:r="http://schemas.openxmlformats.org/officeDocument/2006/relationships" xmlns:p="http://schemas.openxmlformats.org/presentationml/2006/main">
+  <p:cSld>
+    <p:spTree>
+      <p:nvGrpSpPr>
+        <p:cNvPr id="1" name=""/>
+        <p:cNvGrpSpPr/>
+        <p:nvPr/>
+      </p:nvGrpSpPr>
+      <p:grpSpPr>
+        <a:xfrm>
+          <a:off x="0" y="0"/>
+          <a:ext cx="0" cy="0"/>
+          <a:chOff x="0" y="0"/>
+          <a:chExt cx="0" cy="0"/>
+        </a:xfrm>
+      </p:grpSpPr>
+      <p:pic>
+        <p:nvPicPr>
+          <p:cNvPr id="5" name="コンテンツ プレースホルダー 4" descr="障子, クロスワードパズル, 建物 が含まれている画像&#10;&#10;自動的に生成された説明">
+            <a:extLst>
+              <a:ext uri="{FF2B5EF4-FFF2-40B4-BE49-F238E27FC236}">
+                <a16:creationId xmlns:a16="http://schemas.microsoft.com/office/drawing/2014/main" id="{8B39665B-CAF2-AC4A-A9BA-A317C54AAFD2}"/>
+              </a:ext>
+            </a:extLst>
+          </p:cNvPr>
+          <p:cNvPicPr>
+            <a:picLocks noGrp="1" noChangeAspect="1"/>
+          </p:cNvPicPr>
+          <p:nvPr>
+            <p:ph idx="1"/>
+          </p:nvPr>
+        </p:nvPicPr>
+        <p:blipFill>
+          <a:blip r:embed="rId2"/>
+          <a:stretch>
+            <a:fillRect/>
+          </a:stretch>
+        </p:blipFill>
+        <p:spPr>
+          <a:xfrm>
+            <a:off x="838200" y="1827304"/>
+            <a:ext cx="5127885" cy="3006002"/>
+          </a:xfrm>
+        </p:spPr>
+      </p:pic>
+      <p:sp>
+        <p:nvSpPr>
+          <p:cNvPr id="7" name="四角形吹き出し 6">
+            <a:extLst>
+              <a:ext uri="{FF2B5EF4-FFF2-40B4-BE49-F238E27FC236}">
+                <a16:creationId xmlns:a16="http://schemas.microsoft.com/office/drawing/2014/main" id="{200656D9-2C82-8C46-8B67-0BB4DA519EEA}"/>
+              </a:ext>
+            </a:extLst>
+          </p:cNvPr>
+          <p:cNvSpPr/>
+          <p:nvPr/>
+        </p:nvSpPr>
+        <p:spPr>
+          <a:xfrm>
+            <a:off x="6225917" y="1808566"/>
+            <a:ext cx="5556352" cy="1484026"/>
+          </a:xfrm>
+          <a:prstGeom prst="wedgeRectCallout">
+            <a:avLst>
+              <a:gd name="adj1" fmla="val -70473"/>
+              <a:gd name="adj2" fmla="val 24116"/>
+            </a:avLst>
+          </a:prstGeom>
+        </p:spPr>
+        <p:style>
+          <a:lnRef idx="2">
+            <a:schemeClr val="accent1">
+              <a:shade val="50000"/>
+            </a:schemeClr>
+          </a:lnRef>
+          <a:fillRef idx="1">
+            <a:schemeClr val="accent1"/>
+          </a:fillRef>
+          <a:effectRef idx="0">
+            <a:schemeClr val="accent1"/>
+          </a:effectRef>
+          <a:fontRef idx="minor">
+            <a:schemeClr val="lt1"/>
+          </a:fontRef>
+        </p:style>
+        <p:txBody>
+          <a:bodyPr rtlCol="0" anchor="ctr"/>
+          <a:lstStyle/>
+          <a:p>
+            <a:pPr algn="ctr"/>
+            <a:endParaRPr kumimoji="1" lang="ja-JP" altLang="en-US"/>
+          </a:p>
+        </p:txBody>
+      </p:sp>
+      <p:sp>
+        <p:nvSpPr>
+          <p:cNvPr id="2" name="タイトル 1">
+            <a:extLst>
+              <a:ext uri="{FF2B5EF4-FFF2-40B4-BE49-F238E27FC236}">
+                <a16:creationId xmlns:a16="http://schemas.microsoft.com/office/drawing/2014/main" id="{4CEFBBDF-5CEB-B24F-A9D3-F0D3BC7A48B0}"/>
+              </a:ext>
+            </a:extLst>
+          </p:cNvPr>
+          <p:cNvSpPr>
+            <a:spLocks noGrp="1"/>
+          </p:cNvSpPr>
+          <p:nvPr>
+            <p:ph type="title"/>
+          </p:nvPr>
+        </p:nvSpPr>
+        <p:spPr/>
+        <p:txBody>
+          <a:bodyPr/>
+          <a:lstStyle/>
+          <a:p>
+            <a:r>
+              <a:rPr kumimoji="1" lang="ja-JP" altLang="en-US"/>
+              <a:t>問題</a:t>
+            </a:r>
+            <a:r>
+              <a:rPr kumimoji="1" lang="en-US" altLang="ja-JP" dirty="0"/>
+              <a:t>1 </a:t>
+            </a:r>
+            <a:r>
+              <a:rPr lang="en-US" altLang="ja-JP" dirty="0"/>
+              <a:t>○</a:t>
+            </a:r>
+            <a:r>
+              <a:rPr kumimoji="1" lang="ja-JP" altLang="en-US"/>
+              <a:t>と</a:t>
+            </a:r>
+            <a:r>
+              <a:rPr kumimoji="1" lang="en-US" altLang="ja-JP" dirty="0"/>
+              <a:t>×</a:t>
+            </a:r>
+            <a:r>
+              <a:rPr kumimoji="1" lang="ja-JP" altLang="en-US"/>
+              <a:t>が交互に置けるようにしよう</a:t>
+            </a:r>
+          </a:p>
+        </p:txBody>
+      </p:sp>
+      <p:sp>
+        <p:nvSpPr>
+          <p:cNvPr id="6" name="テキスト ボックス 5">
+            <a:extLst>
+              <a:ext uri="{FF2B5EF4-FFF2-40B4-BE49-F238E27FC236}">
+                <a16:creationId xmlns:a16="http://schemas.microsoft.com/office/drawing/2014/main" id="{F86F57A4-C871-B542-9576-60EAF9DD287E}"/>
+              </a:ext>
+            </a:extLst>
+          </p:cNvPr>
+          <p:cNvSpPr txBox="1"/>
+          <p:nvPr/>
+        </p:nvSpPr>
+        <p:spPr>
+          <a:xfrm>
+            <a:off x="7030386" y="2365080"/>
+            <a:ext cx="3657601" cy="1200329"/>
+          </a:xfrm>
+          <a:prstGeom prst="rect">
+            <a:avLst/>
+          </a:prstGeom>
+          <a:noFill/>
+        </p:spPr>
+        <p:txBody>
+          <a:bodyPr wrap="square" rtlCol="0">
+            <a:spAutoFit/>
+          </a:bodyPr>
+          <a:lstStyle/>
+          <a:p>
+            <a:r>
+              <a:rPr kumimoji="1" lang="ja-JP" altLang="en-US" sz="2400">
+                <a:solidFill>
+                  <a:schemeClr val="bg1"/>
+                </a:solidFill>
+              </a:rPr>
+              <a:t>現状，丸のみ置かれる．</a:t>
+            </a:r>
+            <a:endParaRPr kumimoji="1" lang="en-US" altLang="ja-JP" sz="2400" dirty="0">
+              <a:solidFill>
+                <a:schemeClr val="bg1"/>
+              </a:solidFill>
+            </a:endParaRPr>
+          </a:p>
+          <a:p>
+            <a:endParaRPr lang="en-US" altLang="ja-JP" sz="2400" dirty="0"/>
+          </a:p>
+          <a:p>
+            <a:endParaRPr kumimoji="1" lang="ja-JP" altLang="en-US" sz="2400"/>
+          </a:p>
+        </p:txBody>
+      </p:sp>
+      <p:sp>
+        <p:nvSpPr>
+          <p:cNvPr id="8" name="テキスト ボックス 7">
+            <a:extLst>
+              <a:ext uri="{FF2B5EF4-FFF2-40B4-BE49-F238E27FC236}">
+                <a16:creationId xmlns:a16="http://schemas.microsoft.com/office/drawing/2014/main" id="{7F8DD646-75DC-014C-8754-46ECC1B786ED}"/>
+              </a:ext>
+            </a:extLst>
+          </p:cNvPr>
+          <p:cNvSpPr txBox="1"/>
+          <p:nvPr/>
+        </p:nvSpPr>
+        <p:spPr>
+          <a:xfrm>
+            <a:off x="1124262" y="5516380"/>
+            <a:ext cx="7996100" cy="1384995"/>
+          </a:xfrm>
+          <a:prstGeom prst="rect">
+            <a:avLst/>
+          </a:prstGeom>
+          <a:noFill/>
+        </p:spPr>
+        <p:txBody>
+          <a:bodyPr wrap="none" rtlCol="0">
+            <a:spAutoFit/>
+          </a:bodyPr>
+          <a:lstStyle/>
+          <a:p>
+            <a:r>
+              <a:rPr lang="en-US" altLang="ja-JP" sz="2800" dirty="0"/>
+              <a:t>t</a:t>
+            </a:r>
+            <a:r>
+              <a:rPr kumimoji="1" lang="en-US" altLang="ja-JP" sz="2800" dirty="0"/>
+              <a:t>urn</a:t>
+            </a:r>
+            <a:r>
+              <a:rPr kumimoji="1" lang="ja-JP" altLang="en-US" sz="2800"/>
+              <a:t>を</a:t>
+            </a:r>
+            <a:r>
+              <a:rPr kumimoji="1" lang="en-US" altLang="ja-JP" sz="2800" dirty="0"/>
+              <a:t>1</a:t>
+            </a:r>
+            <a:r>
+              <a:rPr kumimoji="1" lang="ja-JP" altLang="en-US" sz="2800"/>
+              <a:t>と</a:t>
+            </a:r>
+            <a:r>
+              <a:rPr kumimoji="1" lang="en-US" altLang="ja-JP" sz="2800" dirty="0"/>
+              <a:t>-1</a:t>
+            </a:r>
+            <a:r>
+              <a:rPr kumimoji="1" lang="ja-JP" altLang="en-US" sz="2800"/>
+              <a:t>が交互で置かれるように工夫しよう</a:t>
+            </a:r>
+            <a:r>
+              <a:rPr kumimoji="1" lang="en-US" altLang="ja-JP" sz="2800" dirty="0"/>
+              <a:t>!</a:t>
+            </a:r>
+          </a:p>
+          <a:p>
+            <a:r>
+              <a:rPr lang="ja-JP" altLang="en-US" sz="2800"/>
+              <a:t>ヒント</a:t>
+            </a:r>
+            <a:r>
+              <a:rPr lang="en-US" altLang="ja-JP" sz="2800" dirty="0"/>
+              <a:t>: turn = turn * ???</a:t>
+            </a:r>
+          </a:p>
+          <a:p>
+            <a:r>
+              <a:rPr kumimoji="1" lang="ja-JP" altLang="en-US" sz="2800"/>
+              <a:t>を挿入</a:t>
+            </a:r>
+          </a:p>
+        </p:txBody>
+      </p:sp>
+    </p:spTree>
+    <p:extLst>
+      <p:ext uri="{BB962C8B-B14F-4D97-AF65-F5344CB8AC3E}">
+        <p14:creationId xmlns:p14="http://schemas.microsoft.com/office/powerpoint/2010/main" val="2476526339"/>
+      </p:ext>
+    </p:extLst>
+  </p:cSld>
+  <p:clrMapOvr>
+    <a:masterClrMapping/>
+  </p:clrMapOvr>
+</p:sld>
+</file>
+
+<file path=ppt/slides/slide16.xml><?xml version="1.0" encoding="utf-8"?>
+<p:sld xmlns:a="http://schemas.openxmlformats.org/drawingml/2006/main" xmlns:r="http://schemas.openxmlformats.org/officeDocument/2006/relationships" xmlns:p="http://schemas.openxmlformats.org/presentationml/2006/main">
+  <p:cSld>
+    <p:spTree>
+      <p:nvGrpSpPr>
+        <p:cNvPr id="1" name=""/>
+        <p:cNvGrpSpPr/>
+        <p:nvPr/>
+      </p:nvGrpSpPr>
+      <p:grpSpPr>
+        <a:xfrm>
+          <a:off x="0" y="0"/>
+          <a:ext cx="0" cy="0"/>
+          <a:chOff x="0" y="0"/>
+          <a:chExt cx="0" cy="0"/>
+        </a:xfrm>
+      </p:grpSpPr>
+      <p:sp>
+        <p:nvSpPr>
+          <p:cNvPr id="2" name="タイトル 1">
+            <a:extLst>
+              <a:ext uri="{FF2B5EF4-FFF2-40B4-BE49-F238E27FC236}">
+                <a16:creationId xmlns:a16="http://schemas.microsoft.com/office/drawing/2014/main" id="{54FB8D8D-4C6B-8F45-8D08-DD4BB9A1D001}"/>
+              </a:ext>
+            </a:extLst>
+          </p:cNvPr>
+          <p:cNvSpPr>
+            <a:spLocks noGrp="1"/>
+          </p:cNvSpPr>
+          <p:nvPr>
+            <p:ph type="title"/>
+          </p:nvPr>
+        </p:nvSpPr>
+        <p:spPr/>
+        <p:txBody>
+          <a:bodyPr/>
+          <a:lstStyle/>
+          <a:p>
+            <a:r>
+              <a:rPr kumimoji="1" lang="ja-JP" altLang="en-US"/>
+              <a:t>問題</a:t>
+            </a:r>
+            <a:r>
+              <a:rPr kumimoji="1" lang="en-US" altLang="ja-JP" dirty="0"/>
+              <a:t>2. </a:t>
+            </a:r>
+            <a:r>
+              <a:rPr lang="ja-JP" altLang="en-US"/>
+              <a:t>引き分けのパターンを考えよう</a:t>
+            </a:r>
+            <a:endParaRPr kumimoji="1" lang="ja-JP" altLang="en-US"/>
+          </a:p>
+        </p:txBody>
+      </p:sp>
+      <p:sp>
+        <p:nvSpPr>
+          <p:cNvPr id="3" name="コンテンツ プレースホルダー 2">
+            <a:extLst>
+              <a:ext uri="{FF2B5EF4-FFF2-40B4-BE49-F238E27FC236}">
+                <a16:creationId xmlns:a16="http://schemas.microsoft.com/office/drawing/2014/main" id="{E958D338-8C78-A34C-96BA-8296F9FA66C8}"/>
+              </a:ext>
+            </a:extLst>
+          </p:cNvPr>
+          <p:cNvSpPr>
+            <a:spLocks noGrp="1"/>
+          </p:cNvSpPr>
+          <p:nvPr>
+            <p:ph idx="1"/>
+          </p:nvPr>
+        </p:nvSpPr>
+        <p:spPr/>
+        <p:txBody>
+          <a:bodyPr/>
+          <a:lstStyle/>
+          <a:p>
+            <a:pPr marL="0" indent="0">
+              <a:buNone/>
+            </a:pPr>
+            <a:r>
+              <a:rPr kumimoji="1" lang="ja-JP" altLang="en-US"/>
+              <a:t>○</a:t>
+            </a:r>
+            <a:r>
+              <a:rPr kumimoji="1" lang="en-US" altLang="ja-JP" dirty="0"/>
+              <a:t>×</a:t>
+            </a:r>
+            <a:r>
+              <a:rPr kumimoji="1" lang="ja-JP" altLang="en-US"/>
+              <a:t>ゲームにおいてどうなったら引き分けになるのか</a:t>
+            </a:r>
+            <a:r>
+              <a:rPr kumimoji="1" lang="en-US" altLang="ja-JP" dirty="0"/>
+              <a:t>?</a:t>
+            </a:r>
+          </a:p>
+          <a:p>
+            <a:pPr marL="0" indent="0">
+              <a:buNone/>
+            </a:pPr>
+            <a:endParaRPr kumimoji="1" lang="en-US" altLang="ja-JP" dirty="0"/>
+          </a:p>
+          <a:p>
+            <a:pPr marL="0" indent="0">
+              <a:buNone/>
+            </a:pPr>
+            <a:r>
+              <a:rPr lang="ja-JP" altLang="en-US"/>
+              <a:t>ヒント</a:t>
+            </a:r>
+            <a:r>
+              <a:rPr lang="en-US" altLang="ja-JP" dirty="0"/>
+              <a:t>: count</a:t>
+            </a:r>
+            <a:r>
+              <a:rPr lang="ja-JP" altLang="en-US"/>
+              <a:t>の数が</a:t>
+            </a:r>
+            <a:r>
+              <a:rPr lang="en-US" altLang="ja-JP" dirty="0"/>
+              <a:t>?</a:t>
+            </a:r>
+            <a:r>
+              <a:rPr lang="ja-JP" altLang="en-US"/>
+              <a:t>個になったら引き分け</a:t>
+            </a:r>
+            <a:endParaRPr lang="en-US" altLang="ja-JP" dirty="0"/>
+          </a:p>
+          <a:p>
+            <a:pPr marL="0" indent="0">
+              <a:buNone/>
+            </a:pPr>
+            <a:endParaRPr kumimoji="1" lang="en-US" altLang="ja-JP" dirty="0"/>
+          </a:p>
+          <a:p>
+            <a:pPr marL="0" indent="0">
+              <a:buNone/>
+            </a:pPr>
+            <a:endParaRPr kumimoji="1" lang="ja-JP" altLang="en-US"/>
+          </a:p>
+        </p:txBody>
+      </p:sp>
+      <p:pic>
+        <p:nvPicPr>
+          <p:cNvPr id="5" name="図 4" descr="クロスワードパズル, 時計, 挿絵 が含まれている画像&#10;&#10;自動的に生成された説明">
+            <a:extLst>
+              <a:ext uri="{FF2B5EF4-FFF2-40B4-BE49-F238E27FC236}">
+                <a16:creationId xmlns:a16="http://schemas.microsoft.com/office/drawing/2014/main" id="{7BAE1C85-78F0-C24D-8A21-73497ECFB80F}"/>
+              </a:ext>
+            </a:extLst>
+          </p:cNvPr>
+          <p:cNvPicPr>
+            <a:picLocks noChangeAspect="1"/>
+          </p:cNvPicPr>
+          <p:nvPr/>
+        </p:nvPicPr>
+        <p:blipFill>
+          <a:blip r:embed="rId2"/>
+          <a:stretch>
+            <a:fillRect/>
+          </a:stretch>
+        </p:blipFill>
+        <p:spPr>
+          <a:xfrm>
+            <a:off x="442210" y="3429000"/>
+            <a:ext cx="4474563" cy="3208733"/>
+          </a:xfrm>
+          <a:prstGeom prst="rect">
+            <a:avLst/>
+          </a:prstGeom>
+        </p:spPr>
+      </p:pic>
+    </p:spTree>
+    <p:extLst>
+      <p:ext uri="{BB962C8B-B14F-4D97-AF65-F5344CB8AC3E}">
+        <p14:creationId xmlns:p14="http://schemas.microsoft.com/office/powerpoint/2010/main" val="2176349317"/>
       </p:ext>
     </p:extLst>
   </p:cSld>

--- a/マルバツゲームpdf.pptx
+++ b/マルバツゲームpdf.pptx
@@ -21,6 +21,7 @@
     <p:sldId id="270" r:id="rId15"/>
     <p:sldId id="308" r:id="rId16"/>
     <p:sldId id="309" r:id="rId17"/>
+    <p:sldId id="310" r:id="rId18"/>
   </p:sldIdLst>
   <p:sldSz cx="12192000" cy="6858000"/>
   <p:notesSz cx="6858000" cy="9144000"/>
@@ -5438,6 +5439,171 @@
 </p:sld>
 </file>
 
+<file path=ppt/slides/slide17.xml><?xml version="1.0" encoding="utf-8"?>
+<p:sld xmlns:a="http://schemas.openxmlformats.org/drawingml/2006/main" xmlns:r="http://schemas.openxmlformats.org/officeDocument/2006/relationships" xmlns:p="http://schemas.openxmlformats.org/presentationml/2006/main">
+  <p:cSld>
+    <p:spTree>
+      <p:nvGrpSpPr>
+        <p:cNvPr id="1" name=""/>
+        <p:cNvGrpSpPr/>
+        <p:nvPr/>
+      </p:nvGrpSpPr>
+      <p:grpSpPr>
+        <a:xfrm>
+          <a:off x="0" y="0"/>
+          <a:ext cx="0" cy="0"/>
+          <a:chOff x="0" y="0"/>
+          <a:chExt cx="0" cy="0"/>
+        </a:xfrm>
+      </p:grpSpPr>
+      <p:sp>
+        <p:nvSpPr>
+          <p:cNvPr id="2" name="タイトル 1">
+            <a:extLst>
+              <a:ext uri="{FF2B5EF4-FFF2-40B4-BE49-F238E27FC236}">
+                <a16:creationId xmlns:a16="http://schemas.microsoft.com/office/drawing/2014/main" id="{C1FA3E3B-C052-E84A-943C-0E14513F70D9}"/>
+              </a:ext>
+            </a:extLst>
+          </p:cNvPr>
+          <p:cNvSpPr>
+            <a:spLocks noGrp="1"/>
+          </p:cNvSpPr>
+          <p:nvPr>
+            <p:ph type="title"/>
+          </p:nvPr>
+        </p:nvSpPr>
+        <p:spPr/>
+        <p:txBody>
+          <a:bodyPr/>
+          <a:lstStyle/>
+          <a:p>
+            <a:r>
+              <a:rPr kumimoji="1" lang="ja-JP" altLang="en-US"/>
+              <a:t>問題</a:t>
+            </a:r>
+            <a:r>
+              <a:rPr kumimoji="1" lang="en-US" altLang="ja-JP" dirty="0"/>
+              <a:t>3. ×</a:t>
+            </a:r>
+            <a:r>
+              <a:rPr kumimoji="1" lang="ja-JP" altLang="en-US"/>
+              <a:t>と○が勝つパターンを考えよう</a:t>
+            </a:r>
+          </a:p>
+        </p:txBody>
+      </p:sp>
+      <p:sp>
+        <p:nvSpPr>
+          <p:cNvPr id="3" name="コンテンツ プレースホルダー 2">
+            <a:extLst>
+              <a:ext uri="{FF2B5EF4-FFF2-40B4-BE49-F238E27FC236}">
+                <a16:creationId xmlns:a16="http://schemas.microsoft.com/office/drawing/2014/main" id="{AA577EE5-D8E6-0D44-9487-FCD7EC58727D}"/>
+              </a:ext>
+            </a:extLst>
+          </p:cNvPr>
+          <p:cNvSpPr>
+            <a:spLocks noGrp="1"/>
+          </p:cNvSpPr>
+          <p:nvPr>
+            <p:ph idx="1"/>
+          </p:nvPr>
+        </p:nvSpPr>
+        <p:spPr/>
+        <p:txBody>
+          <a:bodyPr/>
+          <a:lstStyle/>
+          <a:p>
+            <a:r>
+              <a:rPr kumimoji="1" lang="en-US" altLang="ja-JP" dirty="0"/>
+              <a:t>×</a:t>
+            </a:r>
+            <a:r>
+              <a:rPr lang="ja-JP" altLang="en-US"/>
+              <a:t>も○も勝つパターンは一緒です．</a:t>
+            </a:r>
+            <a:endParaRPr lang="en-US" altLang="ja-JP" dirty="0"/>
+          </a:p>
+          <a:p>
+            <a:endParaRPr kumimoji="1" lang="en-US" altLang="ja-JP" dirty="0"/>
+          </a:p>
+          <a:p>
+            <a:pPr marL="0" indent="0">
+              <a:buNone/>
+            </a:pPr>
+            <a:r>
+              <a:rPr kumimoji="1" lang="ja-JP" altLang="en-US"/>
+              <a:t>ヒント</a:t>
+            </a:r>
+            <a:r>
+              <a:rPr kumimoji="1" lang="en-US" altLang="ja-JP" dirty="0"/>
+              <a:t>: </a:t>
+            </a:r>
+            <a:r>
+              <a:rPr kumimoji="1" lang="ja-JP" altLang="en-US"/>
+              <a:t>それぞれ</a:t>
+            </a:r>
+            <a:r>
+              <a:rPr kumimoji="1" lang="en-US" altLang="ja-JP" dirty="0"/>
+              <a:t>8</a:t>
+            </a:r>
+            <a:r>
+              <a:rPr kumimoji="1" lang="ja-JP" altLang="en-US"/>
+              <a:t>パターンずつあります</a:t>
+            </a:r>
+            <a:endParaRPr kumimoji="1" lang="en-US" altLang="ja-JP" dirty="0"/>
+          </a:p>
+          <a:p>
+            <a:pPr marL="0" indent="0">
+              <a:buNone/>
+            </a:pPr>
+            <a:r>
+              <a:rPr lang="en-US" altLang="ja-JP" dirty="0"/>
+              <a:t>For</a:t>
+            </a:r>
+            <a:r>
+              <a:rPr lang="ja-JP" altLang="en-US"/>
+              <a:t>文を使えたら</a:t>
+            </a:r>
+            <a:r>
+              <a:rPr lang="en-US" altLang="ja-JP" dirty="0"/>
+              <a:t>for</a:t>
+            </a:r>
+            <a:r>
+              <a:rPr lang="ja-JP" altLang="en-US"/>
+              <a:t>文を使って簡略化して書こう</a:t>
+            </a:r>
+            <a:r>
+              <a:rPr lang="en-US" altLang="ja-JP" dirty="0"/>
+              <a:t>!</a:t>
+            </a:r>
+          </a:p>
+          <a:p>
+            <a:pPr marL="0" indent="0">
+              <a:buNone/>
+            </a:pPr>
+            <a:endParaRPr kumimoji="1" lang="en-US" altLang="ja-JP" dirty="0"/>
+          </a:p>
+          <a:p>
+            <a:pPr marL="0" indent="0">
+              <a:buNone/>
+            </a:pPr>
+            <a:endParaRPr kumimoji="1" lang="ja-JP" altLang="en-US"/>
+          </a:p>
+        </p:txBody>
+      </p:sp>
+    </p:spTree>
+    <p:extLst>
+      <p:ext uri="{BB962C8B-B14F-4D97-AF65-F5344CB8AC3E}">
+        <p14:creationId xmlns:p14="http://schemas.microsoft.com/office/powerpoint/2010/main" val="114498826"/>
+      </p:ext>
+    </p:extLst>
+  </p:cSld>
+  <p:clrMapOvr>
+    <a:masterClrMapping/>
+  </p:clrMapOvr>
+</p:sld>
+</file>
+
 <file path=ppt/slides/slide2.xml><?xml version="1.0" encoding="utf-8"?>
 <p:sld xmlns:a="http://schemas.openxmlformats.org/drawingml/2006/main" xmlns:r="http://schemas.openxmlformats.org/officeDocument/2006/relationships" xmlns:p="http://schemas.openxmlformats.org/presentationml/2006/main">
   <p:cSld>
